--- a/Used Car in Saudi Arabia/Presentation .pptx
+++ b/Used Car in Saudi Arabia/Presentation .pptx
@@ -7,15 +7,16 @@
   <p:sldIdLst>
     <p:sldId id="256" r:id="rId2"/>
     <p:sldId id="257" r:id="rId3"/>
-    <p:sldId id="258" r:id="rId4"/>
-    <p:sldId id="259" r:id="rId5"/>
-    <p:sldId id="260" r:id="rId6"/>
-    <p:sldId id="261" r:id="rId7"/>
-    <p:sldId id="262" r:id="rId8"/>
-    <p:sldId id="263" r:id="rId9"/>
-    <p:sldId id="265" r:id="rId10"/>
-    <p:sldId id="266" r:id="rId11"/>
-    <p:sldId id="267" r:id="rId12"/>
+    <p:sldId id="268" r:id="rId4"/>
+    <p:sldId id="258" r:id="rId5"/>
+    <p:sldId id="259" r:id="rId6"/>
+    <p:sldId id="260" r:id="rId7"/>
+    <p:sldId id="261" r:id="rId8"/>
+    <p:sldId id="262" r:id="rId9"/>
+    <p:sldId id="263" r:id="rId10"/>
+    <p:sldId id="265" r:id="rId11"/>
+    <p:sldId id="266" r:id="rId12"/>
+    <p:sldId id="267" r:id="rId13"/>
   </p:sldIdLst>
   <p:sldSz cx="12192000" cy="6858000"/>
   <p:notesSz cx="6858000" cy="9144000"/>
@@ -347,7 +348,7 @@
             <a:fld id="{5586B75A-687E-405C-8A0B-8D00578BA2C3}" type="datetimeFigureOut">
               <a:rPr lang="en-US" dirty="0"/>
               <a:pPr/>
-              <a:t>11/17/21</a:t>
+              <a:t>11/18/21</a:t>
             </a:fld>
             <a:endParaRPr lang="en-US" dirty="0"/>
           </a:p>
@@ -514,7 +515,7 @@
             <a:fld id="{5586B75A-687E-405C-8A0B-8D00578BA2C3}" type="datetimeFigureOut">
               <a:rPr lang="en-US" dirty="0"/>
               <a:pPr/>
-              <a:t>11/17/21</a:t>
+              <a:t>11/18/21</a:t>
             </a:fld>
             <a:endParaRPr lang="en-US" dirty="0"/>
           </a:p>
@@ -691,7 +692,7 @@
             <a:fld id="{5586B75A-687E-405C-8A0B-8D00578BA2C3}" type="datetimeFigureOut">
               <a:rPr lang="en-US" dirty="0"/>
               <a:pPr/>
-              <a:t>11/17/21</a:t>
+              <a:t>11/18/21</a:t>
             </a:fld>
             <a:endParaRPr lang="en-US" dirty="0"/>
           </a:p>
@@ -858,7 +859,7 @@
             <a:fld id="{5586B75A-687E-405C-8A0B-8D00578BA2C3}" type="datetimeFigureOut">
               <a:rPr lang="en-US" dirty="0"/>
               <a:pPr/>
-              <a:t>11/17/21</a:t>
+              <a:t>11/18/21</a:t>
             </a:fld>
             <a:endParaRPr lang="en-US" dirty="0"/>
           </a:p>
@@ -1113,7 +1114,7 @@
             <a:fld id="{5586B75A-687E-405C-8A0B-8D00578BA2C3}" type="datetimeFigureOut">
               <a:rPr lang="en-US" dirty="0"/>
               <a:pPr/>
-              <a:t>11/17/21</a:t>
+              <a:t>11/18/21</a:t>
             </a:fld>
             <a:endParaRPr lang="en-US" dirty="0"/>
           </a:p>
@@ -1398,7 +1399,7 @@
             <a:fld id="{5586B75A-687E-405C-8A0B-8D00578BA2C3}" type="datetimeFigureOut">
               <a:rPr lang="en-US" dirty="0"/>
               <a:pPr/>
-              <a:t>11/17/21</a:t>
+              <a:t>11/18/21</a:t>
             </a:fld>
             <a:endParaRPr lang="en-US" dirty="0"/>
           </a:p>
@@ -1837,7 +1838,7 @@
             <a:fld id="{5586B75A-687E-405C-8A0B-8D00578BA2C3}" type="datetimeFigureOut">
               <a:rPr lang="en-US" dirty="0"/>
               <a:pPr/>
-              <a:t>11/17/21</a:t>
+              <a:t>11/18/21</a:t>
             </a:fld>
             <a:endParaRPr lang="en-US" dirty="0"/>
           </a:p>
@@ -1952,7 +1953,7 @@
             <a:fld id="{5586B75A-687E-405C-8A0B-8D00578BA2C3}" type="datetimeFigureOut">
               <a:rPr lang="en-US" dirty="0"/>
               <a:pPr/>
-              <a:t>11/17/21</a:t>
+              <a:t>11/18/21</a:t>
             </a:fld>
             <a:endParaRPr lang="en-US" dirty="0"/>
           </a:p>
@@ -2044,7 +2045,7 @@
             <a:fld id="{5586B75A-687E-405C-8A0B-8D00578BA2C3}" type="datetimeFigureOut">
               <a:rPr lang="en-US" dirty="0"/>
               <a:pPr/>
-              <a:t>11/17/21</a:t>
+              <a:t>11/18/21</a:t>
             </a:fld>
             <a:endParaRPr lang="en-US" dirty="0"/>
           </a:p>
@@ -2329,7 +2330,7 @@
             <a:fld id="{5586B75A-687E-405C-8A0B-8D00578BA2C3}" type="datetimeFigureOut">
               <a:rPr lang="en-US" dirty="0"/>
               <a:pPr/>
-              <a:t>11/17/21</a:t>
+              <a:t>11/18/21</a:t>
             </a:fld>
             <a:endParaRPr lang="en-US" dirty="0"/>
           </a:p>
@@ -2599,7 +2600,7 @@
             <a:fld id="{5586B75A-687E-405C-8A0B-8D00578BA2C3}" type="datetimeFigureOut">
               <a:rPr lang="en-US" dirty="0"/>
               <a:pPr/>
-              <a:t>11/17/21</a:t>
+              <a:t>11/18/21</a:t>
             </a:fld>
             <a:endParaRPr lang="en-US" dirty="0"/>
           </a:p>
@@ -2893,7 +2894,7 @@
             <a:fld id="{5586B75A-687E-405C-8A0B-8D00578BA2C3}" type="datetimeFigureOut">
               <a:rPr lang="en-US" dirty="0"/>
               <a:pPr/>
-              <a:t>11/17/21</a:t>
+              <a:t>11/18/21</a:t>
             </a:fld>
             <a:endParaRPr lang="en-US" dirty="0"/>
           </a:p>
@@ -3681,6 +3682,266 @@
     <p:bg>
       <p:bgPr>
         <a:solidFill>
+          <a:schemeClr val="bg2">
+            <a:tint val="95000"/>
+            <a:satMod val="170000"/>
+          </a:schemeClr>
+        </a:solidFill>
+        <a:effectLst/>
+      </p:bgPr>
+    </p:bg>
+    <p:spTree>
+      <p:nvGrpSpPr>
+        <p:cNvPr id="1" name=""/>
+        <p:cNvGrpSpPr/>
+        <p:nvPr/>
+      </p:nvGrpSpPr>
+      <p:grpSpPr>
+        <a:xfrm>
+          <a:off x="0" y="0"/>
+          <a:ext cx="0" cy="0"/>
+          <a:chOff x="0" y="0"/>
+          <a:chExt cx="0" cy="0"/>
+        </a:xfrm>
+      </p:grpSpPr>
+      <p:sp useBgFill="1">
+        <p:nvSpPr>
+          <p:cNvPr id="8" name="Rectangle 7">
+            <a:extLst>
+              <a:ext uri="{FF2B5EF4-FFF2-40B4-BE49-F238E27FC236}">
+                <a16:creationId xmlns:a16="http://schemas.microsoft.com/office/drawing/2014/main" id="{1F357A41-BBA7-4673-A16D-5807F0C0E5D6}"/>
+              </a:ext>
+              <a:ext uri="{C183D7F6-B498-43B3-948B-1728B52AA6E4}">
+                <adec:decorative xmlns:adec="http://schemas.microsoft.com/office/drawing/2017/decorative" val="1"/>
+              </a:ext>
+            </a:extLst>
+          </p:cNvPr>
+          <p:cNvSpPr>
+            <a:spLocks noGrp="1" noRot="1" noChangeAspect="1" noMove="1" noResize="1" noEditPoints="1" noAdjustHandles="1" noChangeArrowheads="1" noChangeShapeType="1" noTextEdit="1"/>
+          </p:cNvSpPr>
+          <p:nvPr>
+            <p:extLst>
+              <p:ext uri="{386F3935-93C4-4BCD-93E2-E3B085C9AB24}">
+                <p16:designElem xmlns:p16="http://schemas.microsoft.com/office/powerpoint/2015/main" val="1"/>
+              </p:ext>
+            </p:extLst>
+          </p:nvPr>
+        </p:nvSpPr>
+        <p:spPr>
+          <a:xfrm>
+            <a:off x="0" y="0"/>
+            <a:ext cx="12192000" cy="6858000"/>
+          </a:xfrm>
+          <a:prstGeom prst="rect">
+            <a:avLst/>
+          </a:prstGeom>
+          <a:ln>
+            <a:noFill/>
+          </a:ln>
+        </p:spPr>
+        <p:style>
+          <a:lnRef idx="2">
+            <a:schemeClr val="accent1">
+              <a:shade val="50000"/>
+            </a:schemeClr>
+          </a:lnRef>
+          <a:fillRef idx="1">
+            <a:schemeClr val="accent1"/>
+          </a:fillRef>
+          <a:effectRef idx="0">
+            <a:schemeClr val="accent1"/>
+          </a:effectRef>
+          <a:fontRef idx="minor">
+            <a:schemeClr val="lt1"/>
+          </a:fontRef>
+        </p:style>
+        <p:txBody>
+          <a:bodyPr rtlCol="0" anchor="ctr"/>
+          <a:lstStyle/>
+          <a:p>
+            <a:pPr algn="ctr"/>
+            <a:endParaRPr lang="en-US"/>
+          </a:p>
+        </p:txBody>
+      </p:sp>
+      <p:sp>
+        <p:nvSpPr>
+          <p:cNvPr id="10" name="Rectangle 9">
+            <a:extLst>
+              <a:ext uri="{FF2B5EF4-FFF2-40B4-BE49-F238E27FC236}">
+                <a16:creationId xmlns:a16="http://schemas.microsoft.com/office/drawing/2014/main" id="{FFEFB607-1185-4C57-A8CC-7767B2FFCA57}"/>
+              </a:ext>
+              <a:ext uri="{C183D7F6-B498-43B3-948B-1728B52AA6E4}">
+                <adec:decorative xmlns:adec="http://schemas.microsoft.com/office/drawing/2017/decorative" val="1"/>
+              </a:ext>
+            </a:extLst>
+          </p:cNvPr>
+          <p:cNvSpPr>
+            <a:spLocks noGrp="1" noRot="1" noChangeAspect="1" noMove="1" noResize="1" noEditPoints="1" noAdjustHandles="1" noChangeArrowheads="1" noChangeShapeType="1" noTextEdit="1"/>
+          </p:cNvSpPr>
+          <p:nvPr>
+            <p:extLst>
+              <p:ext uri="{386F3935-93C4-4BCD-93E2-E3B085C9AB24}">
+                <p16:designElem xmlns:p16="http://schemas.microsoft.com/office/powerpoint/2015/main" val="1"/>
+              </p:ext>
+            </p:extLst>
+          </p:nvPr>
+        </p:nvSpPr>
+        <p:spPr>
+          <a:xfrm>
+            <a:off x="380993" y="4367639"/>
+            <a:ext cx="11430014" cy="1852186"/>
+          </a:xfrm>
+          <a:prstGeom prst="rect">
+            <a:avLst/>
+          </a:prstGeom>
+          <a:solidFill>
+            <a:schemeClr val="tx2">
+              <a:alpha val="98000"/>
+            </a:schemeClr>
+          </a:solidFill>
+          <a:ln>
+            <a:noFill/>
+          </a:ln>
+        </p:spPr>
+        <p:style>
+          <a:lnRef idx="0">
+            <a:scrgbClr r="0" g="0" b="0"/>
+          </a:lnRef>
+          <a:fillRef idx="0">
+            <a:scrgbClr r="0" g="0" b="0"/>
+          </a:fillRef>
+          <a:effectRef idx="0">
+            <a:scrgbClr r="0" g="0" b="0"/>
+          </a:effectRef>
+          <a:fontRef idx="minor">
+            <a:schemeClr val="lt1"/>
+          </a:fontRef>
+        </p:style>
+      </p:sp>
+      <p:sp>
+        <p:nvSpPr>
+          <p:cNvPr id="2" name="Title 1">
+            <a:extLst>
+              <a:ext uri="{FF2B5EF4-FFF2-40B4-BE49-F238E27FC236}">
+                <a16:creationId xmlns:a16="http://schemas.microsoft.com/office/drawing/2014/main" id="{27C8137C-8F12-FD46-AB33-67FE719BD9E2}"/>
+              </a:ext>
+            </a:extLst>
+          </p:cNvPr>
+          <p:cNvSpPr>
+            <a:spLocks noGrp="1"/>
+          </p:cNvSpPr>
+          <p:nvPr>
+            <p:ph type="title"/>
+          </p:nvPr>
+        </p:nvSpPr>
+        <p:spPr>
+          <a:xfrm>
+            <a:off x="542120" y="4883367"/>
+            <a:ext cx="11079804" cy="1358020"/>
+          </a:xfrm>
+        </p:spPr>
+        <p:txBody>
+          <a:bodyPr anchor="ctr">
+            <a:normAutofit/>
+          </a:bodyPr>
+          <a:lstStyle/>
+          <a:p>
+            <a:pPr algn="ctr" defTabSz="914400" rtl="1" eaLnBrk="1" latinLnBrk="0" hangingPunct="1">
+              <a:lnSpc>
+                <a:spcPct val="90000"/>
+              </a:lnSpc>
+              <a:spcBef>
+                <a:spcPct val="0"/>
+              </a:spcBef>
+              <a:buNone/>
+            </a:pPr>
+            <a:endParaRPr lang="en-SA" sz="4400" dirty="0">
+              <a:solidFill>
+                <a:schemeClr val="bg1"/>
+              </a:solidFill>
+            </a:endParaRPr>
+          </a:p>
+        </p:txBody>
+      </p:sp>
+      <p:pic>
+        <p:nvPicPr>
+          <p:cNvPr id="5" name="Content Placeholder 4" descr="Graphical user interface, text, application, email&#10;&#10;Description automatically generated">
+            <a:extLst>
+              <a:ext uri="{FF2B5EF4-FFF2-40B4-BE49-F238E27FC236}">
+                <a16:creationId xmlns:a16="http://schemas.microsoft.com/office/drawing/2014/main" id="{51798280-5B57-4047-835C-F74A9ED66111}"/>
+              </a:ext>
+            </a:extLst>
+          </p:cNvPr>
+          <p:cNvPicPr>
+            <a:picLocks noGrp="1" noChangeAspect="1"/>
+          </p:cNvPicPr>
+          <p:nvPr>
+            <p:ph idx="1"/>
+          </p:nvPr>
+        </p:nvPicPr>
+        <p:blipFill>
+          <a:blip r:embed="rId2"/>
+          <a:stretch>
+            <a:fillRect/>
+          </a:stretch>
+        </p:blipFill>
+        <p:spPr>
+          <a:xfrm>
+            <a:off x="554477" y="175898"/>
+            <a:ext cx="11080750" cy="2314463"/>
+          </a:xfrm>
+        </p:spPr>
+      </p:pic>
+      <p:pic>
+        <p:nvPicPr>
+          <p:cNvPr id="7" name="Picture 6" descr="Text&#10;&#10;Description automatically generated">
+            <a:extLst>
+              <a:ext uri="{FF2B5EF4-FFF2-40B4-BE49-F238E27FC236}">
+                <a16:creationId xmlns:a16="http://schemas.microsoft.com/office/drawing/2014/main" id="{E0216C55-AEA4-4D47-8B70-D3AB85EE799E}"/>
+              </a:ext>
+            </a:extLst>
+          </p:cNvPr>
+          <p:cNvPicPr>
+            <a:picLocks noChangeAspect="1"/>
+          </p:cNvPicPr>
+          <p:nvPr/>
+        </p:nvPicPr>
+        <p:blipFill>
+          <a:blip r:embed="rId3"/>
+          <a:stretch>
+            <a:fillRect/>
+          </a:stretch>
+        </p:blipFill>
+        <p:spPr>
+          <a:xfrm>
+            <a:off x="554477" y="2490361"/>
+            <a:ext cx="11079804" cy="2161199"/>
+          </a:xfrm>
+          <a:prstGeom prst="rect">
+            <a:avLst/>
+          </a:prstGeom>
+        </p:spPr>
+      </p:pic>
+    </p:spTree>
+    <p:extLst>
+      <p:ext uri="{BB962C8B-B14F-4D97-AF65-F5344CB8AC3E}">
+        <p14:creationId xmlns:p14="http://schemas.microsoft.com/office/powerpoint/2010/main" val="1470367458"/>
+      </p:ext>
+    </p:extLst>
+  </p:cSld>
+  <p:clrMapOvr>
+    <a:masterClrMapping/>
+  </p:clrMapOvr>
+</p:sld>
+</file>
+
+<file path=ppt/slides/slide11.xml><?xml version="1.0" encoding="utf-8"?>
+<p:sld xmlns:a="http://schemas.openxmlformats.org/drawingml/2006/main" xmlns:r="http://schemas.openxmlformats.org/officeDocument/2006/relationships" xmlns:p="http://schemas.openxmlformats.org/presentationml/2006/main">
+  <p:cSld>
+    <p:bg>
+      <p:bgPr>
+        <a:solidFill>
           <a:schemeClr val="bg1"/>
         </a:solidFill>
         <a:effectLst/>
@@ -4078,8 +4339,8 @@
         </p:nvSpPr>
         <p:spPr>
           <a:xfrm>
-            <a:off x="4019646" y="2475650"/>
-            <a:ext cx="7589258" cy="1686944"/>
+            <a:off x="3927486" y="2423398"/>
+            <a:ext cx="7589258" cy="1808967"/>
           </a:xfrm>
         </p:spPr>
         <p:txBody>
@@ -4110,8 +4371,20 @@
                   <a:schemeClr val="tx2"/>
                 </a:solidFill>
               </a:rPr>
-              <a:t>I tried to  use  in my project all what learn ,  so I clean and analyzing the data I choice liner Regression  </a:t>
+              <a:t>I tried to  use  in my project all what learn ,  so I clean and analyze  the data and use the Model</a:t>
             </a:r>
+            <a:br>
+              <a:rPr lang="en-US" sz="2400" spc="-100" dirty="0">
+                <a:solidFill>
+                  <a:schemeClr val="tx2"/>
+                </a:solidFill>
+              </a:rPr>
+            </a:br>
+            <a:endParaRPr lang="en-US" sz="2400" spc="-100" dirty="0">
+              <a:solidFill>
+                <a:schemeClr val="tx2"/>
+              </a:solidFill>
+            </a:endParaRPr>
           </a:p>
         </p:txBody>
       </p:sp>
@@ -4128,7 +4401,7 @@
 </p:sld>
 </file>
 
-<file path=ppt/slides/slide11.xml><?xml version="1.0" encoding="utf-8"?>
+<file path=ppt/slides/slide12.xml><?xml version="1.0" encoding="utf-8"?>
 <p:sld xmlns:a="http://schemas.openxmlformats.org/drawingml/2006/main" xmlns:r="http://schemas.openxmlformats.org/officeDocument/2006/relationships" xmlns:p="http://schemas.openxmlformats.org/presentationml/2006/main">
   <p:cSld>
     <p:spTree>
@@ -4695,7 +4968,17 @@
                   <a:schemeClr val="tx1"/>
                 </a:solidFill>
               </a:rPr>
-              <a:t>Determining the price of a car using a set of car specifications  and knowing what are the best-selling cars in the Saudi market. What are the most requested specifications?</a:t>
+              <a:t>Determining the price of a car using a set of car specifications  and knowing what are the best-selling cars in the Saudi market?</a:t>
+            </a:r>
+          </a:p>
+          <a:p>
+            <a:r>
+              <a:rPr lang="en-US" dirty="0">
+                <a:solidFill>
+                  <a:schemeClr val="tx1"/>
+                </a:solidFill>
+              </a:rPr>
+              <a:t>What are the most requested specifications?</a:t>
             </a:r>
             <a:endParaRPr lang="en-US" sz="7200" spc="-100" dirty="0">
               <a:solidFill>
@@ -4719,6 +5002,99 @@
 </file>
 
 <file path=ppt/slides/slide3.xml><?xml version="1.0" encoding="utf-8"?>
+<p:sld xmlns:a="http://schemas.openxmlformats.org/drawingml/2006/main" xmlns:r="http://schemas.openxmlformats.org/officeDocument/2006/relationships" xmlns:p="http://schemas.openxmlformats.org/presentationml/2006/main">
+  <p:cSld>
+    <p:spTree>
+      <p:nvGrpSpPr>
+        <p:cNvPr id="1" name=""/>
+        <p:cNvGrpSpPr/>
+        <p:nvPr/>
+      </p:nvGrpSpPr>
+      <p:grpSpPr>
+        <a:xfrm>
+          <a:off x="0" y="0"/>
+          <a:ext cx="0" cy="0"/>
+          <a:chOff x="0" y="0"/>
+          <a:chExt cx="0" cy="0"/>
+        </a:xfrm>
+      </p:grpSpPr>
+      <p:sp>
+        <p:nvSpPr>
+          <p:cNvPr id="2" name="Title 1">
+            <a:extLst>
+              <a:ext uri="{FF2B5EF4-FFF2-40B4-BE49-F238E27FC236}">
+                <a16:creationId xmlns:a16="http://schemas.microsoft.com/office/drawing/2014/main" id="{7D7F62E0-792A-5C47-B68F-2084F451A307}"/>
+              </a:ext>
+            </a:extLst>
+          </p:cNvPr>
+          <p:cNvSpPr>
+            <a:spLocks noGrp="1"/>
+          </p:cNvSpPr>
+          <p:nvPr>
+            <p:ph type="title"/>
+          </p:nvPr>
+        </p:nvSpPr>
+        <p:spPr/>
+        <p:txBody>
+          <a:bodyPr/>
+          <a:lstStyle/>
+          <a:p>
+            <a:pPr rtl="1"/>
+            <a:r>
+              <a:rPr lang="en-US" dirty="0"/>
+              <a:t>Searching for data in </a:t>
+            </a:r>
+            <a:r>
+              <a:rPr lang="en-US" dirty="0" err="1"/>
+              <a:t>kaggle</a:t>
+            </a:r>
+            <a:endParaRPr lang="en-SA" dirty="0"/>
+          </a:p>
+        </p:txBody>
+      </p:sp>
+      <p:pic>
+        <p:nvPicPr>
+          <p:cNvPr id="5" name="Content Placeholder 4" descr="A picture containing graphical user interface&#10;&#10;Description automatically generated">
+            <a:extLst>
+              <a:ext uri="{FF2B5EF4-FFF2-40B4-BE49-F238E27FC236}">
+                <a16:creationId xmlns:a16="http://schemas.microsoft.com/office/drawing/2014/main" id="{238C7983-5F4D-BF45-9173-C9E9A72891DF}"/>
+              </a:ext>
+            </a:extLst>
+          </p:cNvPr>
+          <p:cNvPicPr>
+            <a:picLocks noGrp="1" noChangeAspect="1"/>
+          </p:cNvPicPr>
+          <p:nvPr>
+            <p:ph idx="1"/>
+          </p:nvPr>
+        </p:nvPicPr>
+        <p:blipFill>
+          <a:blip r:embed="rId2"/>
+          <a:stretch>
+            <a:fillRect/>
+          </a:stretch>
+        </p:blipFill>
+        <p:spPr>
+          <a:xfrm>
+            <a:off x="3579224" y="1941794"/>
+            <a:ext cx="7983537" cy="2965267"/>
+          </a:xfrm>
+        </p:spPr>
+      </p:pic>
+    </p:spTree>
+    <p:extLst>
+      <p:ext uri="{BB962C8B-B14F-4D97-AF65-F5344CB8AC3E}">
+        <p14:creationId xmlns:p14="http://schemas.microsoft.com/office/powerpoint/2010/main" val="2197626926"/>
+      </p:ext>
+    </p:extLst>
+  </p:cSld>
+  <p:clrMapOvr>
+    <a:masterClrMapping/>
+  </p:clrMapOvr>
+</p:sld>
+</file>
+
+<file path=ppt/slides/slide4.xml><?xml version="1.0" encoding="utf-8"?>
 <p:sld xmlns:a="http://schemas.openxmlformats.org/drawingml/2006/main" xmlns:r="http://schemas.openxmlformats.org/officeDocument/2006/relationships" xmlns:p="http://schemas.openxmlformats.org/presentationml/2006/main">
   <p:cSld>
     <p:bg>
@@ -12134,7 +12510,7 @@
 </p:sld>
 </file>
 
-<file path=ppt/slides/slide4.xml><?xml version="1.0" encoding="utf-8"?>
+<file path=ppt/slides/slide5.xml><?xml version="1.0" encoding="utf-8"?>
 <p:sld xmlns:a="http://schemas.openxmlformats.org/drawingml/2006/main" xmlns:r="http://schemas.openxmlformats.org/officeDocument/2006/relationships" xmlns:p="http://schemas.openxmlformats.org/presentationml/2006/main">
   <p:cSld>
     <p:spTree>
@@ -12227,7 +12603,7 @@
 </p:sld>
 </file>
 
-<file path=ppt/slides/slide5.xml><?xml version="1.0" encoding="utf-8"?>
+<file path=ppt/slides/slide6.xml><?xml version="1.0" encoding="utf-8"?>
 <p:sld xmlns:a="http://schemas.openxmlformats.org/drawingml/2006/main" xmlns:r="http://schemas.openxmlformats.org/officeDocument/2006/relationships" xmlns:p="http://schemas.openxmlformats.org/presentationml/2006/main">
   <p:cSld>
     <p:bg>
@@ -16116,7 +16492,7 @@
 </p:sld>
 </file>
 
-<file path=ppt/slides/slide6.xml><?xml version="1.0" encoding="utf-8"?>
+<file path=ppt/slides/slide7.xml><?xml version="1.0" encoding="utf-8"?>
 <p:sld xmlns:a="http://schemas.openxmlformats.org/drawingml/2006/main" xmlns:r="http://schemas.openxmlformats.org/officeDocument/2006/relationships" xmlns:p="http://schemas.openxmlformats.org/presentationml/2006/main">
   <p:cSld>
     <p:spTree>
@@ -16207,7 +16583,7 @@
 </p:sld>
 </file>
 
-<file path=ppt/slides/slide7.xml><?xml version="1.0" encoding="utf-8"?>
+<file path=ppt/slides/slide8.xml><?xml version="1.0" encoding="utf-8"?>
 <p:sld xmlns:a="http://schemas.openxmlformats.org/drawingml/2006/main" xmlns:r="http://schemas.openxmlformats.org/officeDocument/2006/relationships" xmlns:p="http://schemas.openxmlformats.org/presentationml/2006/main">
   <p:cSld>
     <p:spTree>
@@ -16297,7 +16673,7 @@
 </p:sld>
 </file>
 
-<file path=ppt/slides/slide8.xml><?xml version="1.0" encoding="utf-8"?>
+<file path=ppt/slides/slide9.xml><?xml version="1.0" encoding="utf-8"?>
 <p:sld xmlns:a="http://schemas.openxmlformats.org/drawingml/2006/main" xmlns:r="http://schemas.openxmlformats.org/officeDocument/2006/relationships" xmlns:p="http://schemas.openxmlformats.org/presentationml/2006/main">
   <p:cSld>
     <p:spTree>
@@ -16379,266 +16755,6 @@
     <p:extLst>
       <p:ext uri="{BB962C8B-B14F-4D97-AF65-F5344CB8AC3E}">
         <p14:creationId xmlns:p14="http://schemas.microsoft.com/office/powerpoint/2010/main" val="1124952498"/>
-      </p:ext>
-    </p:extLst>
-  </p:cSld>
-  <p:clrMapOvr>
-    <a:masterClrMapping/>
-  </p:clrMapOvr>
-</p:sld>
-</file>
-
-<file path=ppt/slides/slide9.xml><?xml version="1.0" encoding="utf-8"?>
-<p:sld xmlns:a="http://schemas.openxmlformats.org/drawingml/2006/main" xmlns:r="http://schemas.openxmlformats.org/officeDocument/2006/relationships" xmlns:p="http://schemas.openxmlformats.org/presentationml/2006/main">
-  <p:cSld>
-    <p:bg>
-      <p:bgPr>
-        <a:solidFill>
-          <a:schemeClr val="bg2">
-            <a:tint val="95000"/>
-            <a:satMod val="170000"/>
-          </a:schemeClr>
-        </a:solidFill>
-        <a:effectLst/>
-      </p:bgPr>
-    </p:bg>
-    <p:spTree>
-      <p:nvGrpSpPr>
-        <p:cNvPr id="1" name=""/>
-        <p:cNvGrpSpPr/>
-        <p:nvPr/>
-      </p:nvGrpSpPr>
-      <p:grpSpPr>
-        <a:xfrm>
-          <a:off x="0" y="0"/>
-          <a:ext cx="0" cy="0"/>
-          <a:chOff x="0" y="0"/>
-          <a:chExt cx="0" cy="0"/>
-        </a:xfrm>
-      </p:grpSpPr>
-      <p:sp useBgFill="1">
-        <p:nvSpPr>
-          <p:cNvPr id="8" name="Rectangle 7">
-            <a:extLst>
-              <a:ext uri="{FF2B5EF4-FFF2-40B4-BE49-F238E27FC236}">
-                <a16:creationId xmlns:a16="http://schemas.microsoft.com/office/drawing/2014/main" id="{1F357A41-BBA7-4673-A16D-5807F0C0E5D6}"/>
-              </a:ext>
-              <a:ext uri="{C183D7F6-B498-43B3-948B-1728B52AA6E4}">
-                <adec:decorative xmlns:adec="http://schemas.microsoft.com/office/drawing/2017/decorative" val="1"/>
-              </a:ext>
-            </a:extLst>
-          </p:cNvPr>
-          <p:cNvSpPr>
-            <a:spLocks noGrp="1" noRot="1" noChangeAspect="1" noMove="1" noResize="1" noEditPoints="1" noAdjustHandles="1" noChangeArrowheads="1" noChangeShapeType="1" noTextEdit="1"/>
-          </p:cNvSpPr>
-          <p:nvPr>
-            <p:extLst>
-              <p:ext uri="{386F3935-93C4-4BCD-93E2-E3B085C9AB24}">
-                <p16:designElem xmlns:p16="http://schemas.microsoft.com/office/powerpoint/2015/main" val="1"/>
-              </p:ext>
-            </p:extLst>
-          </p:nvPr>
-        </p:nvSpPr>
-        <p:spPr>
-          <a:xfrm>
-            <a:off x="0" y="0"/>
-            <a:ext cx="12192000" cy="6858000"/>
-          </a:xfrm>
-          <a:prstGeom prst="rect">
-            <a:avLst/>
-          </a:prstGeom>
-          <a:ln>
-            <a:noFill/>
-          </a:ln>
-        </p:spPr>
-        <p:style>
-          <a:lnRef idx="2">
-            <a:schemeClr val="accent1">
-              <a:shade val="50000"/>
-            </a:schemeClr>
-          </a:lnRef>
-          <a:fillRef idx="1">
-            <a:schemeClr val="accent1"/>
-          </a:fillRef>
-          <a:effectRef idx="0">
-            <a:schemeClr val="accent1"/>
-          </a:effectRef>
-          <a:fontRef idx="minor">
-            <a:schemeClr val="lt1"/>
-          </a:fontRef>
-        </p:style>
-        <p:txBody>
-          <a:bodyPr rtlCol="0" anchor="ctr"/>
-          <a:lstStyle/>
-          <a:p>
-            <a:pPr algn="ctr"/>
-            <a:endParaRPr lang="en-US"/>
-          </a:p>
-        </p:txBody>
-      </p:sp>
-      <p:sp>
-        <p:nvSpPr>
-          <p:cNvPr id="10" name="Rectangle 9">
-            <a:extLst>
-              <a:ext uri="{FF2B5EF4-FFF2-40B4-BE49-F238E27FC236}">
-                <a16:creationId xmlns:a16="http://schemas.microsoft.com/office/drawing/2014/main" id="{FFEFB607-1185-4C57-A8CC-7767B2FFCA57}"/>
-              </a:ext>
-              <a:ext uri="{C183D7F6-B498-43B3-948B-1728B52AA6E4}">
-                <adec:decorative xmlns:adec="http://schemas.microsoft.com/office/drawing/2017/decorative" val="1"/>
-              </a:ext>
-            </a:extLst>
-          </p:cNvPr>
-          <p:cNvSpPr>
-            <a:spLocks noGrp="1" noRot="1" noChangeAspect="1" noMove="1" noResize="1" noEditPoints="1" noAdjustHandles="1" noChangeArrowheads="1" noChangeShapeType="1" noTextEdit="1"/>
-          </p:cNvSpPr>
-          <p:nvPr>
-            <p:extLst>
-              <p:ext uri="{386F3935-93C4-4BCD-93E2-E3B085C9AB24}">
-                <p16:designElem xmlns:p16="http://schemas.microsoft.com/office/powerpoint/2015/main" val="1"/>
-              </p:ext>
-            </p:extLst>
-          </p:nvPr>
-        </p:nvSpPr>
-        <p:spPr>
-          <a:xfrm>
-            <a:off x="380993" y="4367639"/>
-            <a:ext cx="11430014" cy="1852186"/>
-          </a:xfrm>
-          <a:prstGeom prst="rect">
-            <a:avLst/>
-          </a:prstGeom>
-          <a:solidFill>
-            <a:schemeClr val="tx2">
-              <a:alpha val="98000"/>
-            </a:schemeClr>
-          </a:solidFill>
-          <a:ln>
-            <a:noFill/>
-          </a:ln>
-        </p:spPr>
-        <p:style>
-          <a:lnRef idx="0">
-            <a:scrgbClr r="0" g="0" b="0"/>
-          </a:lnRef>
-          <a:fillRef idx="0">
-            <a:scrgbClr r="0" g="0" b="0"/>
-          </a:fillRef>
-          <a:effectRef idx="0">
-            <a:scrgbClr r="0" g="0" b="0"/>
-          </a:effectRef>
-          <a:fontRef idx="minor">
-            <a:schemeClr val="lt1"/>
-          </a:fontRef>
-        </p:style>
-      </p:sp>
-      <p:sp>
-        <p:nvSpPr>
-          <p:cNvPr id="2" name="Title 1">
-            <a:extLst>
-              <a:ext uri="{FF2B5EF4-FFF2-40B4-BE49-F238E27FC236}">
-                <a16:creationId xmlns:a16="http://schemas.microsoft.com/office/drawing/2014/main" id="{27C8137C-8F12-FD46-AB33-67FE719BD9E2}"/>
-              </a:ext>
-            </a:extLst>
-          </p:cNvPr>
-          <p:cNvSpPr>
-            <a:spLocks noGrp="1"/>
-          </p:cNvSpPr>
-          <p:nvPr>
-            <p:ph type="title"/>
-          </p:nvPr>
-        </p:nvSpPr>
-        <p:spPr>
-          <a:xfrm>
-            <a:off x="542120" y="4883367"/>
-            <a:ext cx="11079804" cy="1358020"/>
-          </a:xfrm>
-        </p:spPr>
-        <p:txBody>
-          <a:bodyPr anchor="ctr">
-            <a:normAutofit/>
-          </a:bodyPr>
-          <a:lstStyle/>
-          <a:p>
-            <a:pPr algn="ctr" defTabSz="914400" rtl="1" eaLnBrk="1" latinLnBrk="0" hangingPunct="1">
-              <a:lnSpc>
-                <a:spcPct val="90000"/>
-              </a:lnSpc>
-              <a:spcBef>
-                <a:spcPct val="0"/>
-              </a:spcBef>
-              <a:buNone/>
-            </a:pPr>
-            <a:endParaRPr lang="en-SA" sz="4400" dirty="0">
-              <a:solidFill>
-                <a:schemeClr val="bg1"/>
-              </a:solidFill>
-            </a:endParaRPr>
-          </a:p>
-        </p:txBody>
-      </p:sp>
-      <p:pic>
-        <p:nvPicPr>
-          <p:cNvPr id="5" name="Content Placeholder 4" descr="Graphical user interface, text, application, email&#10;&#10;Description automatically generated">
-            <a:extLst>
-              <a:ext uri="{FF2B5EF4-FFF2-40B4-BE49-F238E27FC236}">
-                <a16:creationId xmlns:a16="http://schemas.microsoft.com/office/drawing/2014/main" id="{51798280-5B57-4047-835C-F74A9ED66111}"/>
-              </a:ext>
-            </a:extLst>
-          </p:cNvPr>
-          <p:cNvPicPr>
-            <a:picLocks noGrp="1" noChangeAspect="1"/>
-          </p:cNvPicPr>
-          <p:nvPr>
-            <p:ph idx="1"/>
-          </p:nvPr>
-        </p:nvPicPr>
-        <p:blipFill>
-          <a:blip r:embed="rId2"/>
-          <a:stretch>
-            <a:fillRect/>
-          </a:stretch>
-        </p:blipFill>
-        <p:spPr>
-          <a:xfrm>
-            <a:off x="554477" y="175898"/>
-            <a:ext cx="11080750" cy="2314463"/>
-          </a:xfrm>
-        </p:spPr>
-      </p:pic>
-      <p:pic>
-        <p:nvPicPr>
-          <p:cNvPr id="7" name="Picture 6" descr="Text&#10;&#10;Description automatically generated">
-            <a:extLst>
-              <a:ext uri="{FF2B5EF4-FFF2-40B4-BE49-F238E27FC236}">
-                <a16:creationId xmlns:a16="http://schemas.microsoft.com/office/drawing/2014/main" id="{E0216C55-AEA4-4D47-8B70-D3AB85EE799E}"/>
-              </a:ext>
-            </a:extLst>
-          </p:cNvPr>
-          <p:cNvPicPr>
-            <a:picLocks noChangeAspect="1"/>
-          </p:cNvPicPr>
-          <p:nvPr/>
-        </p:nvPicPr>
-        <p:blipFill>
-          <a:blip r:embed="rId3"/>
-          <a:stretch>
-            <a:fillRect/>
-          </a:stretch>
-        </p:blipFill>
-        <p:spPr>
-          <a:xfrm>
-            <a:off x="554477" y="2490361"/>
-            <a:ext cx="11079804" cy="2161199"/>
-          </a:xfrm>
-          <a:prstGeom prst="rect">
-            <a:avLst/>
-          </a:prstGeom>
-        </p:spPr>
-      </p:pic>
-    </p:spTree>
-    <p:extLst>
-      <p:ext uri="{BB962C8B-B14F-4D97-AF65-F5344CB8AC3E}">
-        <p14:creationId xmlns:p14="http://schemas.microsoft.com/office/powerpoint/2010/main" val="1470367458"/>
       </p:ext>
     </p:extLst>
   </p:cSld>
